--- a/DAILY SCREEN TIME USAGE.pptx
+++ b/DAILY SCREEN TIME USAGE.pptx
@@ -5183,7 +5183,7 @@
             </a:pPr>
             <a:r>
               <a:rPr lang="en-US" dirty="0"/>
-              <a:t>T = 3.7798</a:t>
+              <a:t>T = - 3.7798</a:t>
             </a:r>
           </a:p>
           <a:p>
@@ -5193,7 +5193,7 @@
             </a:pPr>
             <a:r>
               <a:rPr lang="en-US" i="0" dirty="0"/>
-              <a:t>P-value = 0.9972		                                              			</a:t>
+              <a:t>P-value = 0.002773		                                              			</a:t>
             </a:r>
           </a:p>
           <a:p>
@@ -5233,10 +5233,10 @@
       </p:sp>
       <p:pic>
         <p:nvPicPr>
-          <p:cNvPr id="5" name="Picture 4">
+          <p:cNvPr id="7" name="Picture 6">
             <a:extLst>
               <a:ext uri="{FF2B5EF4-FFF2-40B4-BE49-F238E27FC236}">
-                <a16:creationId xmlns:a16="http://schemas.microsoft.com/office/drawing/2014/main" id="{CA85A5EE-607D-2BFC-0DF3-D37DF72AC4BB}"/>
+                <a16:creationId xmlns:a16="http://schemas.microsoft.com/office/drawing/2014/main" id="{0F412D33-4F61-AC6F-AE14-92A4F3AFAAF0}"/>
               </a:ext>
             </a:extLst>
           </p:cNvPr>
@@ -5253,8 +5253,8 @@
         </p:blipFill>
         <p:spPr>
           <a:xfrm>
-            <a:off x="1584960" y="4405358"/>
-            <a:ext cx="6043507" cy="2005601"/>
+            <a:off x="1153813" y="4478866"/>
+            <a:ext cx="6377761" cy="1693334"/>
           </a:xfrm>
           <a:prstGeom prst="rect">
             <a:avLst/>
@@ -5364,7 +5364,15 @@
           <a:p>
             <a:r>
               <a:rPr lang="en-US" dirty="0"/>
-              <a:t>Since the p-value, 0.9972, is greater than 0.05, we fail to reject the null hypothesis. There is no significant evidence to conclude that the mean daily screen time usage on non-workdays is less than the mean daily screen time usage on workdays.</a:t>
+              <a:t>Since the p-value, </a:t>
+            </a:r>
+            <a:r>
+              <a:rPr lang="en-US" i="0" dirty="0"/>
+              <a:t>0.002773</a:t>
+            </a:r>
+            <a:r>
+              <a:rPr lang="en-US" dirty="0"/>
+              <a:t>, is less than 0.05, we fail to reject the null hypothesis. There is significant evidence to conclude that the mean daily screen time usage on non-workdays is higher than the mean daily screen time usage on workdays.</a:t>
             </a:r>
           </a:p>
         </p:txBody>
@@ -5399,6 +5407,41 @@
           </a:prstGeom>
         </p:spPr>
       </p:pic>
+      <p:sp>
+        <p:nvSpPr>
+          <p:cNvPr id="7" name="TextBox 6">
+            <a:extLst>
+              <a:ext uri="{FF2B5EF4-FFF2-40B4-BE49-F238E27FC236}">
+                <a16:creationId xmlns:a16="http://schemas.microsoft.com/office/drawing/2014/main" id="{2E1D4109-358C-A951-ED67-7181EECEC294}"/>
+              </a:ext>
+            </a:extLst>
+          </p:cNvPr>
+          <p:cNvSpPr txBox="1"/>
+          <p:nvPr/>
+        </p:nvSpPr>
+        <p:spPr>
+          <a:xfrm>
+            <a:off x="6492649" y="5498068"/>
+            <a:ext cx="6094638" cy="369332"/>
+          </a:xfrm>
+          <a:prstGeom prst="rect">
+            <a:avLst/>
+          </a:prstGeom>
+          <a:noFill/>
+        </p:spPr>
+        <p:txBody>
+          <a:bodyPr wrap="square">
+            <a:spAutoFit/>
+          </a:bodyPr>
+          <a:lstStyle/>
+          <a:p>
+            <a:r>
+              <a:rPr lang="en-US" dirty="0"/>
+              <a:t>https://github.com/MrDSK99/Data-Science-211-50</a:t>
+            </a:r>
+          </a:p>
+        </p:txBody>
+      </p:sp>
     </p:spTree>
     <p:extLst>
       <p:ext uri="{BB962C8B-B14F-4D97-AF65-F5344CB8AC3E}">
